--- a/Comp 421/Final 2012.pptx
+++ b/Comp 421/Final 2012.pptx
@@ -6,6 +6,7 @@
   </p:sldMasterIdLst>
   <p:sldIdLst>
     <p:sldId id="256" r:id="rId2"/>
+    <p:sldId id="257" r:id="rId3"/>
   </p:sldIdLst>
   <p:sldSz cx="12192000" cy="6858000"/>
   <p:notesSz cx="6858000" cy="9144000"/>
@@ -104,6 +105,11 @@
       </a:defRPr>
     </a:lvl9pPr>
   </p:defaultTextStyle>
+  <p:extLst>
+    <p:ext uri="{EFAFB233-063F-42B5-8137-9DF3F51BA10A}">
+      <p15:sldGuideLst xmlns:p15="http://schemas.microsoft.com/office/powerpoint/2012/main"/>
+    </p:ext>
+  </p:extLst>
 </p:presentation>
 </file>
 
@@ -238,7 +244,7 @@
           <a:p>
             <a:fld id="{42A9176E-7A11-4102-BB8E-3D918548ACBC}" type="datetimeFigureOut">
               <a:rPr lang="en-US" smtClean="0"/>
-              <a:t>4/14/2014</a:t>
+              <a:t>4/15/2014</a:t>
             </a:fld>
             <a:endParaRPr lang="en-US"/>
           </a:p>
@@ -408,7 +414,7 @@
           <a:p>
             <a:fld id="{42A9176E-7A11-4102-BB8E-3D918548ACBC}" type="datetimeFigureOut">
               <a:rPr lang="en-US" smtClean="0"/>
-              <a:t>4/14/2014</a:t>
+              <a:t>4/15/2014</a:t>
             </a:fld>
             <a:endParaRPr lang="en-US"/>
           </a:p>
@@ -588,7 +594,7 @@
           <a:p>
             <a:fld id="{42A9176E-7A11-4102-BB8E-3D918548ACBC}" type="datetimeFigureOut">
               <a:rPr lang="en-US" smtClean="0"/>
-              <a:t>4/14/2014</a:t>
+              <a:t>4/15/2014</a:t>
             </a:fld>
             <a:endParaRPr lang="en-US"/>
           </a:p>
@@ -758,7 +764,7 @@
           <a:p>
             <a:fld id="{42A9176E-7A11-4102-BB8E-3D918548ACBC}" type="datetimeFigureOut">
               <a:rPr lang="en-US" smtClean="0"/>
-              <a:t>4/14/2014</a:t>
+              <a:t>4/15/2014</a:t>
             </a:fld>
             <a:endParaRPr lang="en-US"/>
           </a:p>
@@ -1004,7 +1010,7 @@
           <a:p>
             <a:fld id="{42A9176E-7A11-4102-BB8E-3D918548ACBC}" type="datetimeFigureOut">
               <a:rPr lang="en-US" smtClean="0"/>
-              <a:t>4/14/2014</a:t>
+              <a:t>4/15/2014</a:t>
             </a:fld>
             <a:endParaRPr lang="en-US"/>
           </a:p>
@@ -1236,7 +1242,7 @@
           <a:p>
             <a:fld id="{42A9176E-7A11-4102-BB8E-3D918548ACBC}" type="datetimeFigureOut">
               <a:rPr lang="en-US" smtClean="0"/>
-              <a:t>4/14/2014</a:t>
+              <a:t>4/15/2014</a:t>
             </a:fld>
             <a:endParaRPr lang="en-US"/>
           </a:p>
@@ -1603,7 +1609,7 @@
           <a:p>
             <a:fld id="{42A9176E-7A11-4102-BB8E-3D918548ACBC}" type="datetimeFigureOut">
               <a:rPr lang="en-US" smtClean="0"/>
-              <a:t>4/14/2014</a:t>
+              <a:t>4/15/2014</a:t>
             </a:fld>
             <a:endParaRPr lang="en-US"/>
           </a:p>
@@ -1721,7 +1727,7 @@
           <a:p>
             <a:fld id="{42A9176E-7A11-4102-BB8E-3D918548ACBC}" type="datetimeFigureOut">
               <a:rPr lang="en-US" smtClean="0"/>
-              <a:t>4/14/2014</a:t>
+              <a:t>4/15/2014</a:t>
             </a:fld>
             <a:endParaRPr lang="en-US"/>
           </a:p>
@@ -1816,7 +1822,7 @@
           <a:p>
             <a:fld id="{42A9176E-7A11-4102-BB8E-3D918548ACBC}" type="datetimeFigureOut">
               <a:rPr lang="en-US" smtClean="0"/>
-              <a:t>4/14/2014</a:t>
+              <a:t>4/15/2014</a:t>
             </a:fld>
             <a:endParaRPr lang="en-US"/>
           </a:p>
@@ -2093,7 +2099,7 @@
           <a:p>
             <a:fld id="{42A9176E-7A11-4102-BB8E-3D918548ACBC}" type="datetimeFigureOut">
               <a:rPr lang="en-US" smtClean="0"/>
-              <a:t>4/14/2014</a:t>
+              <a:t>4/15/2014</a:t>
             </a:fld>
             <a:endParaRPr lang="en-US"/>
           </a:p>
@@ -2346,7 +2352,7 @@
           <a:p>
             <a:fld id="{42A9176E-7A11-4102-BB8E-3D918548ACBC}" type="datetimeFigureOut">
               <a:rPr lang="en-US" smtClean="0"/>
-              <a:t>4/14/2014</a:t>
+              <a:t>4/15/2014</a:t>
             </a:fld>
             <a:endParaRPr lang="en-US"/>
           </a:p>
@@ -2559,7 +2565,7 @@
           <a:p>
             <a:fld id="{42A9176E-7A11-4102-BB8E-3D918548ACBC}" type="datetimeFigureOut">
               <a:rPr lang="en-US" smtClean="0"/>
-              <a:t>4/14/2014</a:t>
+              <a:t>4/15/2014</a:t>
             </a:fld>
             <a:endParaRPr lang="en-US"/>
           </a:p>
@@ -2964,208 +2970,6 @@
           <a:chExt cx="0" cy="0"/>
         </a:xfrm>
       </p:grpSpPr>
-      <mc:AlternateContent xmlns:mc="http://schemas.openxmlformats.org/markup-compatibility/2006">
-        <mc:Choice xmlns:a14="http://schemas.microsoft.com/office/drawing/2010/main" Requires="a14">
-          <p:sp>
-            <p:nvSpPr>
-              <p:cNvPr id="4" name="Rectangle 3"/>
-              <p:cNvSpPr/>
-              <p:nvPr/>
-            </p:nvSpPr>
-            <p:spPr>
-              <a:xfrm>
-                <a:off x="3040732" y="3744657"/>
-                <a:ext cx="1238907" cy="357701"/>
-              </a:xfrm>
-              <a:prstGeom prst="rect">
-                <a:avLst/>
-              </a:prstGeom>
-              <a:noFill/>
-            </p:spPr>
-            <p:style>
-              <a:lnRef idx="2">
-                <a:schemeClr val="accent1">
-                  <a:shade val="50000"/>
-                </a:schemeClr>
-              </a:lnRef>
-              <a:fillRef idx="1">
-                <a:schemeClr val="accent1"/>
-              </a:fillRef>
-              <a:effectRef idx="0">
-                <a:schemeClr val="accent1"/>
-              </a:effectRef>
-              <a:fontRef idx="minor">
-                <a:schemeClr val="lt1"/>
-              </a:fontRef>
-            </p:style>
-            <p:txBody>
-              <a:bodyPr rtlCol="0" anchor="ctr"/>
-              <a:lstStyle/>
-              <a:p>
-                <a:pPr algn="ctr"/>
-                <a14:m>
-                  <m:oMathPara xmlns:m="http://schemas.openxmlformats.org/officeDocument/2006/math">
-                    <m:oMathParaPr>
-                      <m:jc m:val="centerGroup"/>
-                    </m:oMathParaPr>
-                    <m:oMath xmlns:m="http://schemas.openxmlformats.org/officeDocument/2006/math">
-                      <m:sSub>
-                        <m:sSubPr>
-                          <m:ctrlPr>
-                            <a:rPr lang="en-US" sz="1400" b="0" i="1" smtClean="0">
-                              <a:solidFill>
-                                <a:schemeClr val="tx1">
-                                  <a:lumMod val="95000"/>
-                                  <a:lumOff val="5000"/>
-                                </a:schemeClr>
-                              </a:solidFill>
-                              <a:latin typeface="Cambria Math" panose="02040503050406030204" pitchFamily="18" charset="0"/>
-                            </a:rPr>
-                          </m:ctrlPr>
-                        </m:sSubPr>
-                        <m:e>
-                          <m:r>
-                            <a:rPr lang="en-US" sz="1400" b="0" i="1" smtClean="0">
-                              <a:solidFill>
-                                <a:schemeClr val="tx1">
-                                  <a:lumMod val="95000"/>
-                                  <a:lumOff val="5000"/>
-                                </a:schemeClr>
-                              </a:solidFill>
-                              <a:latin typeface="Cambria Math" panose="02040503050406030204" pitchFamily="18" charset="0"/>
-                            </a:rPr>
-                            <m:t>𝜋</m:t>
-                          </m:r>
-                        </m:e>
-                        <m:sub>
-                          <m:r>
-                            <a:rPr lang="en-US" sz="1400" b="0" i="1" smtClean="0">
-                              <a:solidFill>
-                                <a:schemeClr val="tx1">
-                                  <a:lumMod val="95000"/>
-                                  <a:lumOff val="5000"/>
-                                </a:schemeClr>
-                              </a:solidFill>
-                              <a:latin typeface="Cambria Math" panose="02040503050406030204" pitchFamily="18" charset="0"/>
-                            </a:rPr>
-                            <m:t>𝑠𝑖𝑑</m:t>
-                          </m:r>
-                          <m:r>
-                            <a:rPr lang="en-US" sz="1400" b="0" i="1" smtClean="0">
-                              <a:solidFill>
-                                <a:schemeClr val="tx1">
-                                  <a:lumMod val="95000"/>
-                                  <a:lumOff val="5000"/>
-                                </a:schemeClr>
-                              </a:solidFill>
-                              <a:latin typeface="Cambria Math" panose="02040503050406030204" pitchFamily="18" charset="0"/>
-                            </a:rPr>
-                            <m:t>,</m:t>
-                          </m:r>
-                          <m:r>
-                            <a:rPr lang="en-US" sz="1400" b="0" i="1" smtClean="0">
-                              <a:solidFill>
-                                <a:schemeClr val="tx1">
-                                  <a:lumMod val="95000"/>
-                                  <a:lumOff val="5000"/>
-                                </a:schemeClr>
-                              </a:solidFill>
-                              <a:latin typeface="Cambria Math" panose="02040503050406030204" pitchFamily="18" charset="0"/>
-                            </a:rPr>
-                            <m:t>𝑐𝑖𝑑</m:t>
-                          </m:r>
-                          <m:r>
-                            <a:rPr lang="en-US" sz="1400" b="0" i="1" smtClean="0">
-                              <a:solidFill>
-                                <a:schemeClr val="tx1">
-                                  <a:lumMod val="95000"/>
-                                  <a:lumOff val="5000"/>
-                                </a:schemeClr>
-                              </a:solidFill>
-                              <a:latin typeface="Cambria Math" panose="02040503050406030204" pitchFamily="18" charset="0"/>
-                            </a:rPr>
-                            <m:t>, </m:t>
-                          </m:r>
-                          <m:r>
-                            <a:rPr lang="en-US" sz="1400" b="0" i="1" smtClean="0">
-                              <a:solidFill>
-                                <a:schemeClr val="tx1">
-                                  <a:lumMod val="95000"/>
-                                  <a:lumOff val="5000"/>
-                                </a:schemeClr>
-                              </a:solidFill>
-                              <a:latin typeface="Cambria Math" panose="02040503050406030204" pitchFamily="18" charset="0"/>
-                            </a:rPr>
-                            <m:t>𝑡𝑒𝑟𝑚</m:t>
-                          </m:r>
-                          <m:r>
-                            <a:rPr lang="en-US" sz="1400" b="0" i="1" smtClean="0">
-                              <a:solidFill>
-                                <a:schemeClr val="tx1">
-                                  <a:lumMod val="95000"/>
-                                  <a:lumOff val="5000"/>
-                                </a:schemeClr>
-                              </a:solidFill>
-                              <a:latin typeface="Cambria Math" panose="02040503050406030204" pitchFamily="18" charset="0"/>
-                            </a:rPr>
-                            <m:t> </m:t>
-                          </m:r>
-                        </m:sub>
-                      </m:sSub>
-                    </m:oMath>
-                  </m:oMathPara>
-                </a14:m>
-                <a:endParaRPr lang="en-US" sz="1400" dirty="0">
-                  <a:solidFill>
-                    <a:schemeClr val="tx1">
-                      <a:lumMod val="95000"/>
-                      <a:lumOff val="5000"/>
-                    </a:schemeClr>
-                  </a:solidFill>
-                </a:endParaRPr>
-              </a:p>
-            </p:txBody>
-          </p:sp>
-        </mc:Choice>
-        <mc:Fallback>
-          <p:sp>
-            <p:nvSpPr>
-              <p:cNvPr id="4" name="Rectangle 3"/>
-              <p:cNvSpPr>
-                <a:spLocks noRot="1" noChangeAspect="1" noMove="1" noResize="1" noEditPoints="1" noAdjustHandles="1" noChangeArrowheads="1" noChangeShapeType="1" noTextEdit="1"/>
-              </p:cNvSpPr>
-              <p:nvPr/>
-            </p:nvSpPr>
-            <p:spPr>
-              <a:xfrm>
-                <a:off x="3040732" y="3744657"/>
-                <a:ext cx="1238907" cy="357701"/>
-              </a:xfrm>
-              <a:prstGeom prst="rect">
-                <a:avLst/>
-              </a:prstGeom>
-              <a:blipFill rotWithShape="0">
-                <a:blip r:embed="rId2"/>
-                <a:stretch>
-                  <a:fillRect/>
-                </a:stretch>
-              </a:blipFill>
-            </p:spPr>
-            <p:txBody>
-              <a:bodyPr/>
-              <a:lstStyle/>
-              <a:p>
-                <a:r>
-                  <a:rPr lang="en-US">
-                    <a:noFill/>
-                  </a:rPr>
-                  <a:t> </a:t>
-                </a:r>
-              </a:p>
-            </p:txBody>
-          </p:sp>
-        </mc:Fallback>
-      </mc:AlternateContent>
       <p:sp>
         <p:nvSpPr>
           <p:cNvPr id="5" name="Oval 4"/>
@@ -3284,8 +3088,8 @@
           </a:p>
         </p:txBody>
       </p:sp>
-      <mc:AlternateContent xmlns:mc="http://schemas.openxmlformats.org/markup-compatibility/2006">
-        <mc:Choice xmlns:a14="http://schemas.microsoft.com/office/drawing/2010/main" Requires="a14">
+      <mc:AlternateContent xmlns:mc="http://schemas.openxmlformats.org/markup-compatibility/2006" xmlns:a14="http://schemas.microsoft.com/office/drawing/2010/main">
+        <mc:Choice Requires="a14">
           <p:sp>
             <p:nvSpPr>
               <p:cNvPr id="8" name="Rectangle 7"/>
@@ -3435,7 +3239,7 @@
             </p:txBody>
           </p:sp>
         </mc:Choice>
-        <mc:Fallback>
+        <mc:Fallback xmlns="">
           <p:sp>
             <p:nvSpPr>
               <p:cNvPr id="8" name="Rectangle 7"/>
@@ -3515,7 +3319,7 @@
           <p:cNvPr id="11" name="Straight Arrow Connector 10"/>
           <p:cNvCxnSpPr>
             <a:stCxn id="7" idx="6"/>
-            <a:endCxn id="4" idx="1"/>
+            <a:endCxn id="14" idx="1"/>
           </p:cNvCxnSpPr>
           <p:nvPr/>
         </p:nvCxnSpPr>
@@ -3546,8 +3350,8 @@
           </a:fontRef>
         </p:style>
       </p:cxnSp>
-      <mc:AlternateContent xmlns:mc="http://schemas.openxmlformats.org/markup-compatibility/2006">
-        <mc:Choice xmlns:a14="http://schemas.microsoft.com/office/drawing/2010/main" Requires="a14">
+      <mc:AlternateContent xmlns:mc="http://schemas.openxmlformats.org/markup-compatibility/2006" xmlns:a14="http://schemas.microsoft.com/office/drawing/2010/main">
+        <mc:Choice Requires="a14">
           <p:sp>
             <p:nvSpPr>
               <p:cNvPr id="14" name="Rectangle 13"/>
@@ -3556,7 +3360,7 @@
             </p:nvSpPr>
             <p:spPr>
               <a:xfrm>
-                <a:off x="5200263" y="3747740"/>
+                <a:off x="3040732" y="3744657"/>
                 <a:ext cx="1238907" cy="357701"/>
               </a:xfrm>
               <a:prstGeom prst="rect">
@@ -3721,7 +3525,7 @@
             </p:txBody>
           </p:sp>
         </mc:Choice>
-        <mc:Fallback>
+        <mc:Fallback xmlns="">
           <p:sp>
             <p:nvSpPr>
               <p:cNvPr id="14" name="Rectangle 13"/>
@@ -3732,7 +3536,7 @@
             </p:nvSpPr>
             <p:spPr>
               <a:xfrm>
-                <a:off x="5200263" y="3747740"/>
+                <a:off x="3040732" y="3744657"/>
                 <a:ext cx="1238907" cy="357701"/>
               </a:xfrm>
               <a:prstGeom prst="rect">
@@ -3760,44 +3564,8 @@
           </p:sp>
         </mc:Fallback>
       </mc:AlternateContent>
-      <p:cxnSp>
-        <p:nvCxnSpPr>
-          <p:cNvPr id="18" name="Straight Arrow Connector 17"/>
-          <p:cNvCxnSpPr>
-            <a:stCxn id="4" idx="3"/>
-            <a:endCxn id="14" idx="1"/>
-          </p:cNvCxnSpPr>
-          <p:nvPr/>
-        </p:nvCxnSpPr>
-        <p:spPr>
-          <a:xfrm>
-            <a:off x="4279639" y="3923508"/>
-            <a:ext cx="920624" cy="3083"/>
-          </a:xfrm>
-          <a:prstGeom prst="straightConnector1">
-            <a:avLst/>
-          </a:prstGeom>
-          <a:ln>
-            <a:tailEnd type="triangle"/>
-          </a:ln>
-        </p:spPr>
-        <p:style>
-          <a:lnRef idx="1">
-            <a:schemeClr val="accent1"/>
-          </a:lnRef>
-          <a:fillRef idx="0">
-            <a:schemeClr val="accent1"/>
-          </a:fillRef>
-          <a:effectRef idx="0">
-            <a:schemeClr val="accent1"/>
-          </a:effectRef>
-          <a:fontRef idx="minor">
-            <a:schemeClr val="tx1"/>
-          </a:fontRef>
-        </p:style>
-      </p:cxnSp>
-      <mc:AlternateContent xmlns:mc="http://schemas.openxmlformats.org/markup-compatibility/2006">
-        <mc:Choice xmlns:a14="http://schemas.microsoft.com/office/drawing/2010/main" Requires="a14">
+      <mc:AlternateContent xmlns:mc="http://schemas.openxmlformats.org/markup-compatibility/2006" xmlns:a14="http://schemas.microsoft.com/office/drawing/2010/main">
+        <mc:Choice Requires="a14">
           <p:sp>
             <p:nvSpPr>
               <p:cNvPr id="21" name="Rectangle 20"/>
@@ -3806,7 +3574,7 @@
             </p:nvSpPr>
             <p:spPr>
               <a:xfrm>
-                <a:off x="7359790" y="3749306"/>
+                <a:off x="5200259" y="3744656"/>
                 <a:ext cx="1238907" cy="357701"/>
               </a:xfrm>
               <a:prstGeom prst="rect">
@@ -3911,7 +3679,7 @@
             </p:txBody>
           </p:sp>
         </mc:Choice>
-        <mc:Fallback>
+        <mc:Fallback xmlns="">
           <p:sp>
             <p:nvSpPr>
               <p:cNvPr id="21" name="Rectangle 20"/>
@@ -3922,7 +3690,7 @@
             </p:nvSpPr>
             <p:spPr>
               <a:xfrm>
-                <a:off x="7359790" y="3749306"/>
+                <a:off x="5200259" y="3744656"/>
                 <a:ext cx="1238907" cy="357701"/>
               </a:xfrm>
               <a:prstGeom prst="rect">
@@ -3960,9 +3728,9 @@
           <p:nvPr/>
         </p:nvCxnSpPr>
         <p:spPr>
-          <a:xfrm>
-            <a:off x="6439170" y="3926591"/>
-            <a:ext cx="920620" cy="1566"/>
+          <a:xfrm flipV="1">
+            <a:off x="4279639" y="3923507"/>
+            <a:ext cx="920620" cy="1"/>
           </a:xfrm>
           <a:prstGeom prst="straightConnector1">
             <a:avLst/>
@@ -3986,8 +3754,8 @@
           </a:fontRef>
         </p:style>
       </p:cxnSp>
-      <mc:AlternateContent xmlns:mc="http://schemas.openxmlformats.org/markup-compatibility/2006">
-        <mc:Choice xmlns:a14="http://schemas.microsoft.com/office/drawing/2010/main" Requires="a14">
+      <mc:AlternateContent xmlns:mc="http://schemas.openxmlformats.org/markup-compatibility/2006" xmlns:a14="http://schemas.microsoft.com/office/drawing/2010/main">
+        <mc:Choice Requires="a14">
           <p:sp>
             <p:nvSpPr>
               <p:cNvPr id="25" name="Rectangle 24"/>
@@ -4058,7 +3826,7 @@
             </p:txBody>
           </p:sp>
         </mc:Choice>
-        <mc:Fallback>
+        <mc:Fallback xmlns="">
           <p:sp>
             <p:nvSpPr>
               <p:cNvPr id="25" name="Rectangle 24"/>
@@ -4143,9 +3911,9 @@
           <p:nvPr/>
         </p:nvCxnSpPr>
         <p:spPr>
-          <a:xfrm flipH="1" flipV="1">
-            <a:off x="7979243" y="2242457"/>
-            <a:ext cx="1" cy="1506849"/>
+          <a:xfrm flipV="1">
+            <a:off x="5819713" y="2242457"/>
+            <a:ext cx="2159530" cy="1502199"/>
           </a:xfrm>
           <a:prstGeom prst="straightConnector1">
             <a:avLst/>
@@ -4208,6 +3976,1458 @@
     <p:extLst>
       <p:ext uri="{BB962C8B-B14F-4D97-AF65-F5344CB8AC3E}">
         <p14:creationId xmlns:p14="http://schemas.microsoft.com/office/powerpoint/2010/main" val="2518434077"/>
+      </p:ext>
+    </p:extLst>
+  </p:cSld>
+  <p:clrMapOvr>
+    <a:masterClrMapping/>
+  </p:clrMapOvr>
+</p:sld>
+</file>
+
+<file path=ppt/slides/slide2.xml><?xml version="1.0" encoding="utf-8"?>
+<p:sld xmlns:a="http://schemas.openxmlformats.org/drawingml/2006/main" xmlns:r="http://schemas.openxmlformats.org/officeDocument/2006/relationships" xmlns:p="http://schemas.openxmlformats.org/presentationml/2006/main">
+  <p:cSld>
+    <p:spTree>
+      <p:nvGrpSpPr>
+        <p:cNvPr id="1" name=""/>
+        <p:cNvGrpSpPr/>
+        <p:nvPr/>
+      </p:nvGrpSpPr>
+      <p:grpSpPr>
+        <a:xfrm>
+          <a:off x="0" y="0"/>
+          <a:ext cx="0" cy="0"/>
+          <a:chOff x="0" y="0"/>
+          <a:chExt cx="0" cy="0"/>
+        </a:xfrm>
+      </p:grpSpPr>
+      <p:sp>
+        <p:nvSpPr>
+          <p:cNvPr id="4" name="Rectangle 3"/>
+          <p:cNvSpPr/>
+          <p:nvPr/>
+        </p:nvSpPr>
+        <p:spPr>
+          <a:xfrm>
+            <a:off x="2692774" y="3410294"/>
+            <a:ext cx="1238907" cy="357701"/>
+          </a:xfrm>
+          <a:prstGeom prst="rect">
+            <a:avLst/>
+          </a:prstGeom>
+          <a:noFill/>
+        </p:spPr>
+        <p:style>
+          <a:lnRef idx="2">
+            <a:schemeClr val="accent1">
+              <a:shade val="50000"/>
+            </a:schemeClr>
+          </a:lnRef>
+          <a:fillRef idx="1">
+            <a:schemeClr val="accent1"/>
+          </a:fillRef>
+          <a:effectRef idx="0">
+            <a:schemeClr val="accent1"/>
+          </a:effectRef>
+          <a:fontRef idx="minor">
+            <a:schemeClr val="lt1"/>
+          </a:fontRef>
+        </p:style>
+        <p:txBody>
+          <a:bodyPr rtlCol="0" anchor="ctr"/>
+          <a:lstStyle/>
+          <a:p>
+            <a:pPr algn="ctr"/>
+            <a:r>
+              <a:rPr lang="en-US" sz="1200" dirty="0" smtClean="0">
+                <a:solidFill>
+                  <a:schemeClr val="tx1">
+                    <a:lumMod val="95000"/>
+                    <a:lumOff val="5000"/>
+                  </a:schemeClr>
+                </a:solidFill>
+              </a:rPr>
+              <a:t>ingredient</a:t>
+            </a:r>
+            <a:endParaRPr lang="en-US" sz="1200" dirty="0">
+              <a:solidFill>
+                <a:schemeClr val="tx1">
+                  <a:lumMod val="95000"/>
+                  <a:lumOff val="5000"/>
+                </a:schemeClr>
+              </a:solidFill>
+            </a:endParaRPr>
+          </a:p>
+        </p:txBody>
+      </p:sp>
+      <p:sp>
+        <p:nvSpPr>
+          <p:cNvPr id="5" name="Oval 4"/>
+          <p:cNvSpPr/>
+          <p:nvPr/>
+        </p:nvSpPr>
+        <p:spPr>
+          <a:xfrm>
+            <a:off x="3494933" y="817172"/>
+            <a:ext cx="1238907" cy="357701"/>
+          </a:xfrm>
+          <a:prstGeom prst="ellipse">
+            <a:avLst/>
+          </a:prstGeom>
+          <a:noFill/>
+        </p:spPr>
+        <p:style>
+          <a:lnRef idx="2">
+            <a:schemeClr val="accent1">
+              <a:shade val="50000"/>
+            </a:schemeClr>
+          </a:lnRef>
+          <a:fillRef idx="1">
+            <a:schemeClr val="accent1"/>
+          </a:fillRef>
+          <a:effectRef idx="0">
+            <a:schemeClr val="accent1"/>
+          </a:effectRef>
+          <a:fontRef idx="minor">
+            <a:schemeClr val="lt1"/>
+          </a:fontRef>
+        </p:style>
+        <p:txBody>
+          <a:bodyPr rtlCol="0" anchor="ctr"/>
+          <a:lstStyle/>
+          <a:p>
+            <a:pPr algn="ctr"/>
+            <a:r>
+              <a:rPr lang="en-US" sz="1400" u="sng" dirty="0" smtClean="0">
+                <a:solidFill>
+                  <a:schemeClr val="tx1">
+                    <a:lumMod val="95000"/>
+                    <a:lumOff val="5000"/>
+                  </a:schemeClr>
+                </a:solidFill>
+              </a:rPr>
+              <a:t>title</a:t>
+            </a:r>
+            <a:endParaRPr lang="en-US" sz="1400" u="sng" dirty="0">
+              <a:solidFill>
+                <a:schemeClr val="tx1">
+                  <a:lumMod val="95000"/>
+                  <a:lumOff val="5000"/>
+                </a:schemeClr>
+              </a:solidFill>
+            </a:endParaRPr>
+          </a:p>
+        </p:txBody>
+      </p:sp>
+      <p:cxnSp>
+        <p:nvCxnSpPr>
+          <p:cNvPr id="8" name="Straight Connector 7"/>
+          <p:cNvCxnSpPr>
+            <a:stCxn id="5" idx="6"/>
+            <a:endCxn id="12" idx="1"/>
+          </p:cNvCxnSpPr>
+          <p:nvPr/>
+        </p:nvCxnSpPr>
+        <p:spPr>
+          <a:xfrm>
+            <a:off x="4733840" y="996023"/>
+            <a:ext cx="1158397" cy="320117"/>
+          </a:xfrm>
+          <a:prstGeom prst="line">
+            <a:avLst/>
+          </a:prstGeom>
+        </p:spPr>
+        <p:style>
+          <a:lnRef idx="1">
+            <a:schemeClr val="accent1"/>
+          </a:lnRef>
+          <a:fillRef idx="0">
+            <a:schemeClr val="accent1"/>
+          </a:fillRef>
+          <a:effectRef idx="0">
+            <a:schemeClr val="accent1"/>
+          </a:effectRef>
+          <a:fontRef idx="minor">
+            <a:schemeClr val="tx1"/>
+          </a:fontRef>
+        </p:style>
+      </p:cxnSp>
+      <p:sp>
+        <p:nvSpPr>
+          <p:cNvPr id="12" name="Rectangle 11"/>
+          <p:cNvSpPr/>
+          <p:nvPr/>
+        </p:nvSpPr>
+        <p:spPr>
+          <a:xfrm>
+            <a:off x="5892237" y="1137289"/>
+            <a:ext cx="1238907" cy="357701"/>
+          </a:xfrm>
+          <a:prstGeom prst="rect">
+            <a:avLst/>
+          </a:prstGeom>
+          <a:noFill/>
+        </p:spPr>
+        <p:style>
+          <a:lnRef idx="2">
+            <a:schemeClr val="accent1">
+              <a:shade val="50000"/>
+            </a:schemeClr>
+          </a:lnRef>
+          <a:fillRef idx="1">
+            <a:schemeClr val="accent1"/>
+          </a:fillRef>
+          <a:effectRef idx="0">
+            <a:schemeClr val="accent1"/>
+          </a:effectRef>
+          <a:fontRef idx="minor">
+            <a:schemeClr val="lt1"/>
+          </a:fontRef>
+        </p:style>
+        <p:txBody>
+          <a:bodyPr rtlCol="0" anchor="ctr"/>
+          <a:lstStyle/>
+          <a:p>
+            <a:pPr algn="ctr"/>
+            <a:r>
+              <a:rPr lang="en-US" sz="1200" dirty="0" smtClean="0">
+                <a:solidFill>
+                  <a:schemeClr val="tx1">
+                    <a:lumMod val="95000"/>
+                    <a:lumOff val="5000"/>
+                  </a:schemeClr>
+                </a:solidFill>
+              </a:rPr>
+              <a:t>recipe</a:t>
+            </a:r>
+            <a:endParaRPr lang="en-US" sz="1200" dirty="0">
+              <a:solidFill>
+                <a:schemeClr val="tx1">
+                  <a:lumMod val="95000"/>
+                  <a:lumOff val="5000"/>
+                </a:schemeClr>
+              </a:solidFill>
+            </a:endParaRPr>
+          </a:p>
+        </p:txBody>
+      </p:sp>
+      <p:sp>
+        <p:nvSpPr>
+          <p:cNvPr id="13" name="Rectangle 12"/>
+          <p:cNvSpPr/>
+          <p:nvPr/>
+        </p:nvSpPr>
+        <p:spPr>
+          <a:xfrm>
+            <a:off x="5272784" y="3410294"/>
+            <a:ext cx="1238907" cy="357701"/>
+          </a:xfrm>
+          <a:prstGeom prst="rect">
+            <a:avLst/>
+          </a:prstGeom>
+          <a:noFill/>
+        </p:spPr>
+        <p:style>
+          <a:lnRef idx="2">
+            <a:schemeClr val="accent1">
+              <a:shade val="50000"/>
+            </a:schemeClr>
+          </a:lnRef>
+          <a:fillRef idx="1">
+            <a:schemeClr val="accent1"/>
+          </a:fillRef>
+          <a:effectRef idx="0">
+            <a:schemeClr val="accent1"/>
+          </a:effectRef>
+          <a:fontRef idx="minor">
+            <a:schemeClr val="lt1"/>
+          </a:fontRef>
+        </p:style>
+        <p:txBody>
+          <a:bodyPr rtlCol="0" anchor="ctr"/>
+          <a:lstStyle/>
+          <a:p>
+            <a:pPr algn="ctr"/>
+            <a:r>
+              <a:rPr lang="en-US" sz="1200" dirty="0" smtClean="0">
+                <a:solidFill>
+                  <a:schemeClr val="tx1">
+                    <a:lumMod val="95000"/>
+                    <a:lumOff val="5000"/>
+                  </a:schemeClr>
+                </a:solidFill>
+              </a:rPr>
+              <a:t>preparation</a:t>
+            </a:r>
+            <a:endParaRPr lang="en-US" sz="1200" dirty="0">
+              <a:solidFill>
+                <a:schemeClr val="tx1">
+                  <a:lumMod val="95000"/>
+                  <a:lumOff val="5000"/>
+                </a:schemeClr>
+              </a:solidFill>
+            </a:endParaRPr>
+          </a:p>
+        </p:txBody>
+      </p:sp>
+      <p:sp>
+        <p:nvSpPr>
+          <p:cNvPr id="14" name="Rectangle 13"/>
+          <p:cNvSpPr/>
+          <p:nvPr/>
+        </p:nvSpPr>
+        <p:spPr>
+          <a:xfrm>
+            <a:off x="8678181" y="3522753"/>
+            <a:ext cx="1238907" cy="357701"/>
+          </a:xfrm>
+          <a:prstGeom prst="rect">
+            <a:avLst/>
+          </a:prstGeom>
+          <a:noFill/>
+        </p:spPr>
+        <p:style>
+          <a:lnRef idx="2">
+            <a:schemeClr val="accent1">
+              <a:shade val="50000"/>
+            </a:schemeClr>
+          </a:lnRef>
+          <a:fillRef idx="1">
+            <a:schemeClr val="accent1"/>
+          </a:fillRef>
+          <a:effectRef idx="0">
+            <a:schemeClr val="accent1"/>
+          </a:effectRef>
+          <a:fontRef idx="minor">
+            <a:schemeClr val="lt1"/>
+          </a:fontRef>
+        </p:style>
+        <p:txBody>
+          <a:bodyPr rtlCol="0" anchor="ctr"/>
+          <a:lstStyle/>
+          <a:p>
+            <a:pPr algn="ctr"/>
+            <a:r>
+              <a:rPr lang="en-US" sz="1200" dirty="0" smtClean="0">
+                <a:solidFill>
+                  <a:schemeClr val="tx1">
+                    <a:lumMod val="95000"/>
+                    <a:lumOff val="5000"/>
+                  </a:schemeClr>
+                </a:solidFill>
+              </a:rPr>
+              <a:t>nutrition</a:t>
+            </a:r>
+            <a:endParaRPr lang="en-US" sz="1200" dirty="0">
+              <a:solidFill>
+                <a:schemeClr val="tx1">
+                  <a:lumMod val="95000"/>
+                  <a:lumOff val="5000"/>
+                </a:schemeClr>
+              </a:solidFill>
+            </a:endParaRPr>
+          </a:p>
+        </p:txBody>
+      </p:sp>
+      <p:sp>
+        <p:nvSpPr>
+          <p:cNvPr id="15" name="Diamond 14"/>
+          <p:cNvSpPr/>
+          <p:nvPr/>
+        </p:nvSpPr>
+        <p:spPr>
+          <a:xfrm>
+            <a:off x="3248951" y="2242457"/>
+            <a:ext cx="1873308" cy="357701"/>
+          </a:xfrm>
+          <a:prstGeom prst="diamond">
+            <a:avLst/>
+          </a:prstGeom>
+          <a:noFill/>
+        </p:spPr>
+        <p:style>
+          <a:lnRef idx="2">
+            <a:schemeClr val="accent1">
+              <a:shade val="50000"/>
+            </a:schemeClr>
+          </a:lnRef>
+          <a:fillRef idx="1">
+            <a:schemeClr val="accent1"/>
+          </a:fillRef>
+          <a:effectRef idx="0">
+            <a:schemeClr val="accent1"/>
+          </a:effectRef>
+          <a:fontRef idx="minor">
+            <a:schemeClr val="lt1"/>
+          </a:fontRef>
+        </p:style>
+        <p:txBody>
+          <a:bodyPr rtlCol="0" anchor="ctr"/>
+          <a:lstStyle/>
+          <a:p>
+            <a:pPr algn="ctr"/>
+            <a:r>
+              <a:rPr lang="en-US" sz="1200" dirty="0" smtClean="0">
+                <a:solidFill>
+                  <a:schemeClr val="tx1">
+                    <a:lumMod val="95000"/>
+                    <a:lumOff val="5000"/>
+                  </a:schemeClr>
+                </a:solidFill>
+              </a:rPr>
+              <a:t>ingredients</a:t>
+            </a:r>
+            <a:endParaRPr lang="en-US" sz="1200" dirty="0">
+              <a:solidFill>
+                <a:schemeClr val="tx1">
+                  <a:lumMod val="95000"/>
+                  <a:lumOff val="5000"/>
+                </a:schemeClr>
+              </a:solidFill>
+            </a:endParaRPr>
+          </a:p>
+        </p:txBody>
+      </p:sp>
+      <p:cxnSp>
+        <p:nvCxnSpPr>
+          <p:cNvPr id="20" name="Straight Connector 19"/>
+          <p:cNvCxnSpPr>
+            <a:stCxn id="15" idx="2"/>
+            <a:endCxn id="4" idx="0"/>
+          </p:cNvCxnSpPr>
+          <p:nvPr/>
+        </p:nvCxnSpPr>
+        <p:spPr>
+          <a:xfrm flipH="1">
+            <a:off x="3312228" y="2600158"/>
+            <a:ext cx="873377" cy="810136"/>
+          </a:xfrm>
+          <a:prstGeom prst="line">
+            <a:avLst/>
+          </a:prstGeom>
+        </p:spPr>
+        <p:style>
+          <a:lnRef idx="1">
+            <a:schemeClr val="accent1"/>
+          </a:lnRef>
+          <a:fillRef idx="0">
+            <a:schemeClr val="accent1"/>
+          </a:fillRef>
+          <a:effectRef idx="0">
+            <a:schemeClr val="accent1"/>
+          </a:effectRef>
+          <a:fontRef idx="minor">
+            <a:schemeClr val="tx1"/>
+          </a:fontRef>
+        </p:style>
+      </p:cxnSp>
+      <p:sp>
+        <p:nvSpPr>
+          <p:cNvPr id="22" name="Diamond 21"/>
+          <p:cNvSpPr/>
+          <p:nvPr/>
+        </p:nvSpPr>
+        <p:spPr>
+          <a:xfrm>
+            <a:off x="5432452" y="2242456"/>
+            <a:ext cx="1873308" cy="357701"/>
+          </a:xfrm>
+          <a:prstGeom prst="diamond">
+            <a:avLst/>
+          </a:prstGeom>
+          <a:noFill/>
+        </p:spPr>
+        <p:style>
+          <a:lnRef idx="2">
+            <a:schemeClr val="accent1">
+              <a:shade val="50000"/>
+            </a:schemeClr>
+          </a:lnRef>
+          <a:fillRef idx="1">
+            <a:schemeClr val="accent1"/>
+          </a:fillRef>
+          <a:effectRef idx="0">
+            <a:schemeClr val="accent1"/>
+          </a:effectRef>
+          <a:fontRef idx="minor">
+            <a:schemeClr val="lt1"/>
+          </a:fontRef>
+        </p:style>
+        <p:txBody>
+          <a:bodyPr rtlCol="0" anchor="ctr"/>
+          <a:lstStyle/>
+          <a:p>
+            <a:pPr algn="ctr"/>
+            <a:r>
+              <a:rPr lang="en-US" sz="1200" dirty="0" err="1" smtClean="0">
+                <a:solidFill>
+                  <a:schemeClr val="tx1">
+                    <a:lumMod val="95000"/>
+                    <a:lumOff val="5000"/>
+                  </a:schemeClr>
+                </a:solidFill>
+              </a:rPr>
+              <a:t>has_preparation</a:t>
+            </a:r>
+            <a:endParaRPr lang="en-US" sz="1200" dirty="0">
+              <a:solidFill>
+                <a:schemeClr val="tx1">
+                  <a:lumMod val="95000"/>
+                  <a:lumOff val="5000"/>
+                </a:schemeClr>
+              </a:solidFill>
+            </a:endParaRPr>
+          </a:p>
+        </p:txBody>
+      </p:sp>
+      <p:cxnSp>
+        <p:nvCxnSpPr>
+          <p:cNvPr id="24" name="Straight Arrow Connector 23"/>
+          <p:cNvCxnSpPr>
+            <a:stCxn id="12" idx="2"/>
+            <a:endCxn id="22" idx="0"/>
+          </p:cNvCxnSpPr>
+          <p:nvPr/>
+        </p:nvCxnSpPr>
+        <p:spPr>
+          <a:xfrm flipH="1">
+            <a:off x="6369106" y="1494990"/>
+            <a:ext cx="142585" cy="747466"/>
+          </a:xfrm>
+          <a:prstGeom prst="straightConnector1">
+            <a:avLst/>
+          </a:prstGeom>
+          <a:ln>
+            <a:tailEnd type="triangle"/>
+          </a:ln>
+        </p:spPr>
+        <p:style>
+          <a:lnRef idx="1">
+            <a:schemeClr val="accent1"/>
+          </a:lnRef>
+          <a:fillRef idx="0">
+            <a:schemeClr val="accent1"/>
+          </a:fillRef>
+          <a:effectRef idx="0">
+            <a:schemeClr val="accent1"/>
+          </a:effectRef>
+          <a:fontRef idx="minor">
+            <a:schemeClr val="tx1"/>
+          </a:fontRef>
+        </p:style>
+      </p:cxnSp>
+      <p:cxnSp>
+        <p:nvCxnSpPr>
+          <p:cNvPr id="26" name="Straight Arrow Connector 25"/>
+          <p:cNvCxnSpPr>
+            <a:stCxn id="13" idx="0"/>
+            <a:endCxn id="22" idx="2"/>
+          </p:cNvCxnSpPr>
+          <p:nvPr/>
+        </p:nvCxnSpPr>
+        <p:spPr>
+          <a:xfrm flipV="1">
+            <a:off x="5892238" y="2600157"/>
+            <a:ext cx="476868" cy="810137"/>
+          </a:xfrm>
+          <a:prstGeom prst="straightConnector1">
+            <a:avLst/>
+          </a:prstGeom>
+          <a:ln>
+            <a:tailEnd type="triangle"/>
+          </a:ln>
+        </p:spPr>
+        <p:style>
+          <a:lnRef idx="1">
+            <a:schemeClr val="accent1"/>
+          </a:lnRef>
+          <a:fillRef idx="0">
+            <a:schemeClr val="accent1"/>
+          </a:fillRef>
+          <a:effectRef idx="0">
+            <a:schemeClr val="accent1"/>
+          </a:effectRef>
+          <a:fontRef idx="minor">
+            <a:schemeClr val="tx1"/>
+          </a:fontRef>
+        </p:style>
+      </p:cxnSp>
+      <p:sp>
+        <p:nvSpPr>
+          <p:cNvPr id="29" name="Diamond 28"/>
+          <p:cNvSpPr/>
+          <p:nvPr/>
+        </p:nvSpPr>
+        <p:spPr>
+          <a:xfrm>
+            <a:off x="7852794" y="2242456"/>
+            <a:ext cx="1873308" cy="357701"/>
+          </a:xfrm>
+          <a:prstGeom prst="diamond">
+            <a:avLst/>
+          </a:prstGeom>
+          <a:noFill/>
+        </p:spPr>
+        <p:style>
+          <a:lnRef idx="2">
+            <a:schemeClr val="accent1">
+              <a:shade val="50000"/>
+            </a:schemeClr>
+          </a:lnRef>
+          <a:fillRef idx="1">
+            <a:schemeClr val="accent1"/>
+          </a:fillRef>
+          <a:effectRef idx="0">
+            <a:schemeClr val="accent1"/>
+          </a:effectRef>
+          <a:fontRef idx="minor">
+            <a:schemeClr val="lt1"/>
+          </a:fontRef>
+        </p:style>
+        <p:txBody>
+          <a:bodyPr rtlCol="0" anchor="ctr"/>
+          <a:lstStyle/>
+          <a:p>
+            <a:pPr algn="ctr"/>
+            <a:r>
+              <a:rPr lang="en-US" sz="1200" dirty="0" err="1" smtClean="0">
+                <a:solidFill>
+                  <a:schemeClr val="tx1">
+                    <a:lumMod val="95000"/>
+                    <a:lumOff val="5000"/>
+                  </a:schemeClr>
+                </a:solidFill>
+              </a:rPr>
+              <a:t>has_nutrition</a:t>
+            </a:r>
+            <a:endParaRPr lang="en-US" sz="1200" dirty="0">
+              <a:solidFill>
+                <a:schemeClr val="tx1">
+                  <a:lumMod val="95000"/>
+                  <a:lumOff val="5000"/>
+                </a:schemeClr>
+              </a:solidFill>
+            </a:endParaRPr>
+          </a:p>
+        </p:txBody>
+      </p:sp>
+      <p:cxnSp>
+        <p:nvCxnSpPr>
+          <p:cNvPr id="31" name="Straight Arrow Connector 30"/>
+          <p:cNvCxnSpPr>
+            <a:stCxn id="12" idx="3"/>
+            <a:endCxn id="29" idx="0"/>
+          </p:cNvCxnSpPr>
+          <p:nvPr/>
+        </p:nvCxnSpPr>
+        <p:spPr>
+          <a:xfrm>
+            <a:off x="7131144" y="1316140"/>
+            <a:ext cx="1658304" cy="926316"/>
+          </a:xfrm>
+          <a:prstGeom prst="straightConnector1">
+            <a:avLst/>
+          </a:prstGeom>
+          <a:ln>
+            <a:tailEnd type="triangle"/>
+          </a:ln>
+        </p:spPr>
+        <p:style>
+          <a:lnRef idx="1">
+            <a:schemeClr val="accent1"/>
+          </a:lnRef>
+          <a:fillRef idx="0">
+            <a:schemeClr val="accent1"/>
+          </a:fillRef>
+          <a:effectRef idx="0">
+            <a:schemeClr val="accent1"/>
+          </a:effectRef>
+          <a:fontRef idx="minor">
+            <a:schemeClr val="tx1"/>
+          </a:fontRef>
+        </p:style>
+      </p:cxnSp>
+      <p:cxnSp>
+        <p:nvCxnSpPr>
+          <p:cNvPr id="33" name="Straight Arrow Connector 32"/>
+          <p:cNvCxnSpPr>
+            <a:stCxn id="14" idx="0"/>
+            <a:endCxn id="29" idx="2"/>
+          </p:cNvCxnSpPr>
+          <p:nvPr/>
+        </p:nvCxnSpPr>
+        <p:spPr>
+          <a:xfrm flipH="1" flipV="1">
+            <a:off x="8789448" y="2600157"/>
+            <a:ext cx="508187" cy="922596"/>
+          </a:xfrm>
+          <a:prstGeom prst="straightConnector1">
+            <a:avLst/>
+          </a:prstGeom>
+          <a:ln>
+            <a:tailEnd type="triangle"/>
+          </a:ln>
+        </p:spPr>
+        <p:style>
+          <a:lnRef idx="1">
+            <a:schemeClr val="accent1"/>
+          </a:lnRef>
+          <a:fillRef idx="0">
+            <a:schemeClr val="accent1"/>
+          </a:fillRef>
+          <a:effectRef idx="0">
+            <a:schemeClr val="accent1"/>
+          </a:effectRef>
+          <a:fontRef idx="minor">
+            <a:schemeClr val="tx1"/>
+          </a:fontRef>
+        </p:style>
+      </p:cxnSp>
+      <p:cxnSp>
+        <p:nvCxnSpPr>
+          <p:cNvPr id="37" name="Straight Connector 36"/>
+          <p:cNvCxnSpPr>
+            <a:stCxn id="15" idx="0"/>
+            <a:endCxn id="12" idx="1"/>
+          </p:cNvCxnSpPr>
+          <p:nvPr/>
+        </p:nvCxnSpPr>
+        <p:spPr>
+          <a:xfrm flipV="1">
+            <a:off x="4185605" y="1316140"/>
+            <a:ext cx="1706632" cy="926317"/>
+          </a:xfrm>
+          <a:prstGeom prst="line">
+            <a:avLst/>
+          </a:prstGeom>
+        </p:spPr>
+        <p:style>
+          <a:lnRef idx="1">
+            <a:schemeClr val="accent1"/>
+          </a:lnRef>
+          <a:fillRef idx="0">
+            <a:schemeClr val="accent1"/>
+          </a:fillRef>
+          <a:effectRef idx="0">
+            <a:schemeClr val="accent1"/>
+          </a:effectRef>
+          <a:fontRef idx="minor">
+            <a:schemeClr val="tx1"/>
+          </a:fontRef>
+        </p:style>
+      </p:cxnSp>
+      <p:sp>
+        <p:nvSpPr>
+          <p:cNvPr id="40" name="Oval 39"/>
+          <p:cNvSpPr/>
+          <p:nvPr/>
+        </p:nvSpPr>
+        <p:spPr>
+          <a:xfrm>
+            <a:off x="778780" y="3410293"/>
+            <a:ext cx="1238907" cy="357701"/>
+          </a:xfrm>
+          <a:prstGeom prst="ellipse">
+            <a:avLst/>
+          </a:prstGeom>
+          <a:noFill/>
+        </p:spPr>
+        <p:style>
+          <a:lnRef idx="2">
+            <a:schemeClr val="accent1">
+              <a:shade val="50000"/>
+            </a:schemeClr>
+          </a:lnRef>
+          <a:fillRef idx="1">
+            <a:schemeClr val="accent1"/>
+          </a:fillRef>
+          <a:effectRef idx="0">
+            <a:schemeClr val="accent1"/>
+          </a:effectRef>
+          <a:fontRef idx="minor">
+            <a:schemeClr val="lt1"/>
+          </a:fontRef>
+        </p:style>
+        <p:txBody>
+          <a:bodyPr rtlCol="0" anchor="ctr"/>
+          <a:lstStyle/>
+          <a:p>
+            <a:pPr algn="ctr"/>
+            <a:r>
+              <a:rPr lang="en-US" sz="1400" u="sng" dirty="0" smtClean="0">
+                <a:solidFill>
+                  <a:schemeClr val="tx1">
+                    <a:lumMod val="95000"/>
+                    <a:lumOff val="5000"/>
+                  </a:schemeClr>
+                </a:solidFill>
+              </a:rPr>
+              <a:t>name</a:t>
+            </a:r>
+            <a:endParaRPr lang="en-US" sz="1400" u="sng" dirty="0">
+              <a:solidFill>
+                <a:schemeClr val="tx1">
+                  <a:lumMod val="95000"/>
+                  <a:lumOff val="5000"/>
+                </a:schemeClr>
+              </a:solidFill>
+            </a:endParaRPr>
+          </a:p>
+        </p:txBody>
+      </p:sp>
+      <p:cxnSp>
+        <p:nvCxnSpPr>
+          <p:cNvPr id="41" name="Straight Connector 40"/>
+          <p:cNvCxnSpPr>
+            <a:stCxn id="40" idx="6"/>
+            <a:endCxn id="4" idx="1"/>
+          </p:cNvCxnSpPr>
+          <p:nvPr/>
+        </p:nvCxnSpPr>
+        <p:spPr>
+          <a:xfrm>
+            <a:off x="2017687" y="3589144"/>
+            <a:ext cx="675087" cy="1"/>
+          </a:xfrm>
+          <a:prstGeom prst="line">
+            <a:avLst/>
+          </a:prstGeom>
+        </p:spPr>
+        <p:style>
+          <a:lnRef idx="1">
+            <a:schemeClr val="accent1"/>
+          </a:lnRef>
+          <a:fillRef idx="0">
+            <a:schemeClr val="accent1"/>
+          </a:fillRef>
+          <a:effectRef idx="0">
+            <a:schemeClr val="accent1"/>
+          </a:effectRef>
+          <a:fontRef idx="minor">
+            <a:schemeClr val="tx1"/>
+          </a:fontRef>
+        </p:style>
+      </p:cxnSp>
+      <p:sp>
+        <p:nvSpPr>
+          <p:cNvPr id="47" name="Oval 46"/>
+          <p:cNvSpPr/>
+          <p:nvPr/>
+        </p:nvSpPr>
+        <p:spPr>
+          <a:xfrm>
+            <a:off x="778780" y="3946844"/>
+            <a:ext cx="1238907" cy="357701"/>
+          </a:xfrm>
+          <a:prstGeom prst="ellipse">
+            <a:avLst/>
+          </a:prstGeom>
+          <a:noFill/>
+        </p:spPr>
+        <p:style>
+          <a:lnRef idx="2">
+            <a:schemeClr val="accent1">
+              <a:shade val="50000"/>
+            </a:schemeClr>
+          </a:lnRef>
+          <a:fillRef idx="1">
+            <a:schemeClr val="accent1"/>
+          </a:fillRef>
+          <a:effectRef idx="0">
+            <a:schemeClr val="accent1"/>
+          </a:effectRef>
+          <a:fontRef idx="minor">
+            <a:schemeClr val="lt1"/>
+          </a:fontRef>
+        </p:style>
+        <p:txBody>
+          <a:bodyPr rtlCol="0" anchor="ctr"/>
+          <a:lstStyle/>
+          <a:p>
+            <a:pPr algn="ctr"/>
+            <a:r>
+              <a:rPr lang="en-US" sz="1400" dirty="0" smtClean="0">
+                <a:solidFill>
+                  <a:schemeClr val="tx1">
+                    <a:lumMod val="95000"/>
+                    <a:lumOff val="5000"/>
+                  </a:schemeClr>
+                </a:solidFill>
+              </a:rPr>
+              <a:t>amount</a:t>
+            </a:r>
+            <a:endParaRPr lang="en-US" sz="1400" dirty="0">
+              <a:solidFill>
+                <a:schemeClr val="tx1">
+                  <a:lumMod val="95000"/>
+                  <a:lumOff val="5000"/>
+                </a:schemeClr>
+              </a:solidFill>
+            </a:endParaRPr>
+          </a:p>
+        </p:txBody>
+      </p:sp>
+      <p:cxnSp>
+        <p:nvCxnSpPr>
+          <p:cNvPr id="48" name="Straight Connector 47"/>
+          <p:cNvCxnSpPr>
+            <a:stCxn id="47" idx="6"/>
+            <a:endCxn id="4" idx="1"/>
+          </p:cNvCxnSpPr>
+          <p:nvPr/>
+        </p:nvCxnSpPr>
+        <p:spPr>
+          <a:xfrm flipV="1">
+            <a:off x="2017687" y="3589145"/>
+            <a:ext cx="675087" cy="536550"/>
+          </a:xfrm>
+          <a:prstGeom prst="line">
+            <a:avLst/>
+          </a:prstGeom>
+        </p:spPr>
+        <p:style>
+          <a:lnRef idx="1">
+            <a:schemeClr val="accent1"/>
+          </a:lnRef>
+          <a:fillRef idx="0">
+            <a:schemeClr val="accent1"/>
+          </a:fillRef>
+          <a:effectRef idx="0">
+            <a:schemeClr val="accent1"/>
+          </a:effectRef>
+          <a:fontRef idx="minor">
+            <a:schemeClr val="tx1"/>
+          </a:fontRef>
+        </p:style>
+      </p:cxnSp>
+      <p:sp>
+        <p:nvSpPr>
+          <p:cNvPr id="49" name="Oval 48"/>
+          <p:cNvSpPr/>
+          <p:nvPr/>
+        </p:nvSpPr>
+        <p:spPr>
+          <a:xfrm>
+            <a:off x="778780" y="4483395"/>
+            <a:ext cx="1238907" cy="357701"/>
+          </a:xfrm>
+          <a:prstGeom prst="ellipse">
+            <a:avLst/>
+          </a:prstGeom>
+          <a:noFill/>
+        </p:spPr>
+        <p:style>
+          <a:lnRef idx="2">
+            <a:schemeClr val="accent1">
+              <a:shade val="50000"/>
+            </a:schemeClr>
+          </a:lnRef>
+          <a:fillRef idx="1">
+            <a:schemeClr val="accent1"/>
+          </a:fillRef>
+          <a:effectRef idx="0">
+            <a:schemeClr val="accent1"/>
+          </a:effectRef>
+          <a:fontRef idx="minor">
+            <a:schemeClr val="lt1"/>
+          </a:fontRef>
+        </p:style>
+        <p:txBody>
+          <a:bodyPr rtlCol="0" anchor="ctr"/>
+          <a:lstStyle/>
+          <a:p>
+            <a:pPr algn="ctr"/>
+            <a:r>
+              <a:rPr lang="en-US" sz="1400" dirty="0" smtClean="0">
+                <a:solidFill>
+                  <a:schemeClr val="tx1">
+                    <a:lumMod val="95000"/>
+                    <a:lumOff val="5000"/>
+                  </a:schemeClr>
+                </a:solidFill>
+              </a:rPr>
+              <a:t>unit</a:t>
+            </a:r>
+            <a:endParaRPr lang="en-US" sz="1400" dirty="0">
+              <a:solidFill>
+                <a:schemeClr val="tx1">
+                  <a:lumMod val="95000"/>
+                  <a:lumOff val="5000"/>
+                </a:schemeClr>
+              </a:solidFill>
+            </a:endParaRPr>
+          </a:p>
+        </p:txBody>
+      </p:sp>
+      <p:cxnSp>
+        <p:nvCxnSpPr>
+          <p:cNvPr id="50" name="Straight Connector 49"/>
+          <p:cNvCxnSpPr>
+            <a:stCxn id="49" idx="6"/>
+            <a:endCxn id="4" idx="2"/>
+          </p:cNvCxnSpPr>
+          <p:nvPr/>
+        </p:nvCxnSpPr>
+        <p:spPr>
+          <a:xfrm flipV="1">
+            <a:off x="2017687" y="3767995"/>
+            <a:ext cx="1294541" cy="894251"/>
+          </a:xfrm>
+          <a:prstGeom prst="line">
+            <a:avLst/>
+          </a:prstGeom>
+        </p:spPr>
+        <p:style>
+          <a:lnRef idx="1">
+            <a:schemeClr val="accent1"/>
+          </a:lnRef>
+          <a:fillRef idx="0">
+            <a:schemeClr val="accent1"/>
+          </a:fillRef>
+          <a:effectRef idx="0">
+            <a:schemeClr val="accent1"/>
+          </a:effectRef>
+          <a:fontRef idx="minor">
+            <a:schemeClr val="tx1"/>
+          </a:fontRef>
+        </p:style>
+      </p:cxnSp>
+      <p:sp>
+        <p:nvSpPr>
+          <p:cNvPr id="53" name="Oval 52"/>
+          <p:cNvSpPr/>
+          <p:nvPr/>
+        </p:nvSpPr>
+        <p:spPr>
+          <a:xfrm>
+            <a:off x="7424550" y="4087648"/>
+            <a:ext cx="1238907" cy="357701"/>
+          </a:xfrm>
+          <a:prstGeom prst="ellipse">
+            <a:avLst/>
+          </a:prstGeom>
+          <a:noFill/>
+        </p:spPr>
+        <p:style>
+          <a:lnRef idx="2">
+            <a:schemeClr val="accent1">
+              <a:shade val="50000"/>
+            </a:schemeClr>
+          </a:lnRef>
+          <a:fillRef idx="1">
+            <a:schemeClr val="accent1"/>
+          </a:fillRef>
+          <a:effectRef idx="0">
+            <a:schemeClr val="accent1"/>
+          </a:effectRef>
+          <a:fontRef idx="minor">
+            <a:schemeClr val="lt1"/>
+          </a:fontRef>
+        </p:style>
+        <p:txBody>
+          <a:bodyPr rtlCol="0" anchor="ctr"/>
+          <a:lstStyle/>
+          <a:p>
+            <a:pPr algn="ctr"/>
+            <a:r>
+              <a:rPr lang="en-US" sz="1400" dirty="0" err="1" smtClean="0">
+                <a:solidFill>
+                  <a:schemeClr val="tx1">
+                    <a:lumMod val="95000"/>
+                    <a:lumOff val="5000"/>
+                  </a:schemeClr>
+                </a:solidFill>
+              </a:rPr>
+              <a:t>carbo</a:t>
+            </a:r>
+            <a:endParaRPr lang="en-US" sz="1400" dirty="0">
+              <a:solidFill>
+                <a:schemeClr val="tx1">
+                  <a:lumMod val="95000"/>
+                  <a:lumOff val="5000"/>
+                </a:schemeClr>
+              </a:solidFill>
+            </a:endParaRPr>
+          </a:p>
+        </p:txBody>
+      </p:sp>
+      <p:cxnSp>
+        <p:nvCxnSpPr>
+          <p:cNvPr id="54" name="Straight Connector 53"/>
+          <p:cNvCxnSpPr>
+            <a:stCxn id="53" idx="6"/>
+            <a:endCxn id="14" idx="2"/>
+          </p:cNvCxnSpPr>
+          <p:nvPr/>
+        </p:nvCxnSpPr>
+        <p:spPr>
+          <a:xfrm flipV="1">
+            <a:off x="8663457" y="3880454"/>
+            <a:ext cx="634178" cy="386045"/>
+          </a:xfrm>
+          <a:prstGeom prst="line">
+            <a:avLst/>
+          </a:prstGeom>
+        </p:spPr>
+        <p:style>
+          <a:lnRef idx="1">
+            <a:schemeClr val="accent1"/>
+          </a:lnRef>
+          <a:fillRef idx="0">
+            <a:schemeClr val="accent1"/>
+          </a:fillRef>
+          <a:effectRef idx="0">
+            <a:schemeClr val="accent1"/>
+          </a:effectRef>
+          <a:fontRef idx="minor">
+            <a:schemeClr val="tx1"/>
+          </a:fontRef>
+        </p:style>
+      </p:cxnSp>
+      <p:sp>
+        <p:nvSpPr>
+          <p:cNvPr id="55" name="Oval 54"/>
+          <p:cNvSpPr/>
+          <p:nvPr/>
+        </p:nvSpPr>
+        <p:spPr>
+          <a:xfrm>
+            <a:off x="7424550" y="4624199"/>
+            <a:ext cx="1238907" cy="357701"/>
+          </a:xfrm>
+          <a:prstGeom prst="ellipse">
+            <a:avLst/>
+          </a:prstGeom>
+          <a:noFill/>
+        </p:spPr>
+        <p:style>
+          <a:lnRef idx="2">
+            <a:schemeClr val="accent1">
+              <a:shade val="50000"/>
+            </a:schemeClr>
+          </a:lnRef>
+          <a:fillRef idx="1">
+            <a:schemeClr val="accent1"/>
+          </a:fillRef>
+          <a:effectRef idx="0">
+            <a:schemeClr val="accent1"/>
+          </a:effectRef>
+          <a:fontRef idx="minor">
+            <a:schemeClr val="lt1"/>
+          </a:fontRef>
+        </p:style>
+        <p:txBody>
+          <a:bodyPr rtlCol="0" anchor="ctr"/>
+          <a:lstStyle/>
+          <a:p>
+            <a:pPr algn="ctr"/>
+            <a:r>
+              <a:rPr lang="en-US" sz="1400" dirty="0" smtClean="0">
+                <a:solidFill>
+                  <a:schemeClr val="tx1">
+                    <a:lumMod val="95000"/>
+                    <a:lumOff val="5000"/>
+                  </a:schemeClr>
+                </a:solidFill>
+              </a:rPr>
+              <a:t>fat</a:t>
+            </a:r>
+            <a:endParaRPr lang="en-US" sz="1400" dirty="0">
+              <a:solidFill>
+                <a:schemeClr val="tx1">
+                  <a:lumMod val="95000"/>
+                  <a:lumOff val="5000"/>
+                </a:schemeClr>
+              </a:solidFill>
+            </a:endParaRPr>
+          </a:p>
+        </p:txBody>
+      </p:sp>
+      <p:cxnSp>
+        <p:nvCxnSpPr>
+          <p:cNvPr id="56" name="Straight Connector 55"/>
+          <p:cNvCxnSpPr>
+            <a:stCxn id="55" idx="6"/>
+            <a:endCxn id="14" idx="2"/>
+          </p:cNvCxnSpPr>
+          <p:nvPr/>
+        </p:nvCxnSpPr>
+        <p:spPr>
+          <a:xfrm flipV="1">
+            <a:off x="8663457" y="3880454"/>
+            <a:ext cx="634178" cy="922596"/>
+          </a:xfrm>
+          <a:prstGeom prst="line">
+            <a:avLst/>
+          </a:prstGeom>
+        </p:spPr>
+        <p:style>
+          <a:lnRef idx="1">
+            <a:schemeClr val="accent1"/>
+          </a:lnRef>
+          <a:fillRef idx="0">
+            <a:schemeClr val="accent1"/>
+          </a:fillRef>
+          <a:effectRef idx="0">
+            <a:schemeClr val="accent1"/>
+          </a:effectRef>
+          <a:fontRef idx="minor">
+            <a:schemeClr val="tx1"/>
+          </a:fontRef>
+        </p:style>
+      </p:cxnSp>
+      <p:sp>
+        <p:nvSpPr>
+          <p:cNvPr id="57" name="Oval 56"/>
+          <p:cNvSpPr/>
+          <p:nvPr/>
+        </p:nvSpPr>
+        <p:spPr>
+          <a:xfrm>
+            <a:off x="7424550" y="5160750"/>
+            <a:ext cx="1238907" cy="357701"/>
+          </a:xfrm>
+          <a:prstGeom prst="ellipse">
+            <a:avLst/>
+          </a:prstGeom>
+          <a:noFill/>
+        </p:spPr>
+        <p:style>
+          <a:lnRef idx="2">
+            <a:schemeClr val="accent1">
+              <a:shade val="50000"/>
+            </a:schemeClr>
+          </a:lnRef>
+          <a:fillRef idx="1">
+            <a:schemeClr val="accent1"/>
+          </a:fillRef>
+          <a:effectRef idx="0">
+            <a:schemeClr val="accent1"/>
+          </a:effectRef>
+          <a:fontRef idx="minor">
+            <a:schemeClr val="lt1"/>
+          </a:fontRef>
+        </p:style>
+        <p:txBody>
+          <a:bodyPr rtlCol="0" anchor="ctr"/>
+          <a:lstStyle/>
+          <a:p>
+            <a:pPr algn="ctr"/>
+            <a:r>
+              <a:rPr lang="en-US" sz="1400" dirty="0" err="1" smtClean="0">
+                <a:solidFill>
+                  <a:schemeClr val="tx1">
+                    <a:lumMod val="95000"/>
+                    <a:lumOff val="5000"/>
+                  </a:schemeClr>
+                </a:solidFill>
+              </a:rPr>
+              <a:t>acohol</a:t>
+            </a:r>
+            <a:endParaRPr lang="en-US" sz="1400" dirty="0">
+              <a:solidFill>
+                <a:schemeClr val="tx1">
+                  <a:lumMod val="95000"/>
+                  <a:lumOff val="5000"/>
+                </a:schemeClr>
+              </a:solidFill>
+            </a:endParaRPr>
+          </a:p>
+        </p:txBody>
+      </p:sp>
+      <p:sp>
+        <p:nvSpPr>
+          <p:cNvPr id="61" name="Diamond 60"/>
+          <p:cNvSpPr/>
+          <p:nvPr/>
+        </p:nvSpPr>
+        <p:spPr>
+          <a:xfrm>
+            <a:off x="4220284" y="4624199"/>
+            <a:ext cx="1873308" cy="357701"/>
+          </a:xfrm>
+          <a:prstGeom prst="diamond">
+            <a:avLst/>
+          </a:prstGeom>
+          <a:noFill/>
+        </p:spPr>
+        <p:style>
+          <a:lnRef idx="2">
+            <a:schemeClr val="accent1">
+              <a:shade val="50000"/>
+            </a:schemeClr>
+          </a:lnRef>
+          <a:fillRef idx="1">
+            <a:schemeClr val="accent1"/>
+          </a:fillRef>
+          <a:effectRef idx="0">
+            <a:schemeClr val="accent1"/>
+          </a:effectRef>
+          <a:fontRef idx="minor">
+            <a:schemeClr val="lt1"/>
+          </a:fontRef>
+        </p:style>
+        <p:txBody>
+          <a:bodyPr rtlCol="0" anchor="ctr"/>
+          <a:lstStyle/>
+          <a:p>
+            <a:pPr algn="ctr"/>
+            <a:r>
+              <a:rPr lang="en-US" sz="1200" dirty="0" smtClean="0">
+                <a:solidFill>
+                  <a:schemeClr val="tx1">
+                    <a:lumMod val="95000"/>
+                    <a:lumOff val="5000"/>
+                  </a:schemeClr>
+                </a:solidFill>
+              </a:rPr>
+              <a:t>steps</a:t>
+            </a:r>
+            <a:endParaRPr lang="en-US" sz="1200" dirty="0">
+              <a:solidFill>
+                <a:schemeClr val="tx1">
+                  <a:lumMod val="95000"/>
+                  <a:lumOff val="5000"/>
+                </a:schemeClr>
+              </a:solidFill>
+            </a:endParaRPr>
+          </a:p>
+        </p:txBody>
+      </p:sp>
+      <p:cxnSp>
+        <p:nvCxnSpPr>
+          <p:cNvPr id="62" name="Straight Connector 61"/>
+          <p:cNvCxnSpPr>
+            <a:stCxn id="61" idx="2"/>
+            <a:endCxn id="66" idx="0"/>
+          </p:cNvCxnSpPr>
+          <p:nvPr/>
+        </p:nvCxnSpPr>
+        <p:spPr>
+          <a:xfrm flipH="1">
+            <a:off x="4344093" y="4981900"/>
+            <a:ext cx="812845" cy="856204"/>
+          </a:xfrm>
+          <a:prstGeom prst="line">
+            <a:avLst/>
+          </a:prstGeom>
+          <a:ln w="38100"/>
+        </p:spPr>
+        <p:style>
+          <a:lnRef idx="1">
+            <a:schemeClr val="accent1"/>
+          </a:lnRef>
+          <a:fillRef idx="0">
+            <a:schemeClr val="accent1"/>
+          </a:fillRef>
+          <a:effectRef idx="0">
+            <a:schemeClr val="accent1"/>
+          </a:effectRef>
+          <a:fontRef idx="minor">
+            <a:schemeClr val="tx1"/>
+          </a:fontRef>
+        </p:style>
+      </p:cxnSp>
+      <p:sp>
+        <p:nvSpPr>
+          <p:cNvPr id="66" name="Rectangle 65"/>
+          <p:cNvSpPr/>
+          <p:nvPr/>
+        </p:nvSpPr>
+        <p:spPr>
+          <a:xfrm>
+            <a:off x="3724639" y="5838104"/>
+            <a:ext cx="1238907" cy="357701"/>
+          </a:xfrm>
+          <a:prstGeom prst="rect">
+            <a:avLst/>
+          </a:prstGeom>
+          <a:noFill/>
+        </p:spPr>
+        <p:style>
+          <a:lnRef idx="2">
+            <a:schemeClr val="accent1">
+              <a:shade val="50000"/>
+            </a:schemeClr>
+          </a:lnRef>
+          <a:fillRef idx="1">
+            <a:schemeClr val="accent1"/>
+          </a:fillRef>
+          <a:effectRef idx="0">
+            <a:schemeClr val="accent1"/>
+          </a:effectRef>
+          <a:fontRef idx="minor">
+            <a:schemeClr val="lt1"/>
+          </a:fontRef>
+        </p:style>
+        <p:txBody>
+          <a:bodyPr rtlCol="0" anchor="ctr"/>
+          <a:lstStyle/>
+          <a:p>
+            <a:pPr algn="ctr"/>
+            <a:r>
+              <a:rPr lang="en-US" sz="1200" dirty="0" smtClean="0">
+                <a:solidFill>
+                  <a:schemeClr val="tx1">
+                    <a:lumMod val="95000"/>
+                    <a:lumOff val="5000"/>
+                  </a:schemeClr>
+                </a:solidFill>
+              </a:rPr>
+              <a:t>step</a:t>
+            </a:r>
+            <a:endParaRPr lang="en-US" sz="1200" dirty="0">
+              <a:solidFill>
+                <a:schemeClr val="tx1">
+                  <a:lumMod val="95000"/>
+                  <a:lumOff val="5000"/>
+                </a:schemeClr>
+              </a:solidFill>
+            </a:endParaRPr>
+          </a:p>
+        </p:txBody>
+      </p:sp>
+      <p:cxnSp>
+        <p:nvCxnSpPr>
+          <p:cNvPr id="70" name="Straight Arrow Connector 69"/>
+          <p:cNvCxnSpPr>
+            <a:stCxn id="13" idx="2"/>
+            <a:endCxn id="61" idx="0"/>
+          </p:cNvCxnSpPr>
+          <p:nvPr/>
+        </p:nvCxnSpPr>
+        <p:spPr>
+          <a:xfrm flipH="1">
+            <a:off x="5156938" y="3767995"/>
+            <a:ext cx="735300" cy="856204"/>
+          </a:xfrm>
+          <a:prstGeom prst="straightConnector1">
+            <a:avLst/>
+          </a:prstGeom>
+          <a:ln>
+            <a:tailEnd type="triangle"/>
+          </a:ln>
+        </p:spPr>
+        <p:style>
+          <a:lnRef idx="1">
+            <a:schemeClr val="accent1"/>
+          </a:lnRef>
+          <a:fillRef idx="0">
+            <a:schemeClr val="accent1"/>
+          </a:fillRef>
+          <a:effectRef idx="0">
+            <a:schemeClr val="accent1"/>
+          </a:effectRef>
+          <a:fontRef idx="minor">
+            <a:schemeClr val="tx1"/>
+          </a:fontRef>
+        </p:style>
+      </p:cxnSp>
+    </p:spTree>
+    <p:extLst>
+      <p:ext uri="{BB962C8B-B14F-4D97-AF65-F5344CB8AC3E}">
+        <p14:creationId xmlns:p14="http://schemas.microsoft.com/office/powerpoint/2010/main" val="657204641"/>
       </p:ext>
     </p:extLst>
   </p:cSld>

--- a/Comp 421/Final 2012.pptx
+++ b/Comp 421/Final 2012.pptx
@@ -4498,7 +4498,7 @@
           <a:prstGeom prst="straightConnector1">
             <a:avLst/>
           </a:prstGeom>
-          <a:ln>
+          <a:ln w="38100">
             <a:tailEnd type="triangle"/>
           </a:ln>
         </p:spPr>
@@ -4534,7 +4534,7 @@
           <a:prstGeom prst="straightConnector1">
             <a:avLst/>
           </a:prstGeom>
-          <a:ln>
+          <a:ln w="38100">
             <a:tailEnd type="triangle"/>
           </a:ln>
         </p:spPr>
@@ -4629,7 +4629,7 @@
           <a:prstGeom prst="straightConnector1">
             <a:avLst/>
           </a:prstGeom>
-          <a:ln>
+          <a:ln w="38100">
             <a:tailEnd type="triangle"/>
           </a:ln>
         </p:spPr>
@@ -4665,7 +4665,7 @@
           <a:prstGeom prst="straightConnector1">
             <a:avLst/>
           </a:prstGeom>
-          <a:ln>
+          <a:ln w="38100">
             <a:tailEnd type="triangle"/>
           </a:ln>
         </p:spPr>
@@ -5299,20 +5299,20 @@
         <p:nvCxnSpPr>
           <p:cNvPr id="62" name="Straight Connector 61"/>
           <p:cNvCxnSpPr>
-            <a:stCxn id="61" idx="2"/>
-            <a:endCxn id="66" idx="0"/>
+            <a:stCxn id="61" idx="0"/>
+            <a:endCxn id="13" idx="2"/>
           </p:cNvCxnSpPr>
           <p:nvPr/>
         </p:nvCxnSpPr>
         <p:spPr>
-          <a:xfrm flipH="1">
-            <a:off x="4344093" y="4981900"/>
-            <a:ext cx="812845" cy="856204"/>
+          <a:xfrm flipV="1">
+            <a:off x="5156938" y="3767995"/>
+            <a:ext cx="735300" cy="856204"/>
           </a:xfrm>
           <a:prstGeom prst="line">
             <a:avLst/>
           </a:prstGeom>
-          <a:ln w="38100"/>
+          <a:ln w="6350"/>
         </p:spPr>
         <p:style>
           <a:lnRef idx="1">
@@ -5390,22 +5390,22 @@
       </p:sp>
       <p:cxnSp>
         <p:nvCxnSpPr>
-          <p:cNvPr id="70" name="Straight Arrow Connector 69"/>
+          <p:cNvPr id="73" name="Straight Arrow Connector 72"/>
           <p:cNvCxnSpPr>
-            <a:stCxn id="13" idx="2"/>
-            <a:endCxn id="61" idx="0"/>
+            <a:stCxn id="66" idx="0"/>
+            <a:endCxn id="61" idx="2"/>
           </p:cNvCxnSpPr>
           <p:nvPr/>
         </p:nvCxnSpPr>
         <p:spPr>
-          <a:xfrm flipH="1">
-            <a:off x="5156938" y="3767995"/>
-            <a:ext cx="735300" cy="856204"/>
+          <a:xfrm flipV="1">
+            <a:off x="4344093" y="4981900"/>
+            <a:ext cx="812845" cy="856204"/>
           </a:xfrm>
           <a:prstGeom prst="straightConnector1">
             <a:avLst/>
           </a:prstGeom>
-          <a:ln>
+          <a:ln w="38100">
             <a:tailEnd type="triangle"/>
           </a:ln>
         </p:spPr>
@@ -5424,6 +5424,98 @@
           </a:fontRef>
         </p:style>
       </p:cxnSp>
+      <p:cxnSp>
+        <p:nvCxnSpPr>
+          <p:cNvPr id="90" name="Straight Connector 89"/>
+          <p:cNvCxnSpPr>
+            <a:stCxn id="94" idx="6"/>
+            <a:endCxn id="66" idx="1"/>
+          </p:cNvCxnSpPr>
+          <p:nvPr/>
+        </p:nvCxnSpPr>
+        <p:spPr>
+          <a:xfrm flipV="1">
+            <a:off x="3152541" y="6016955"/>
+            <a:ext cx="572098" cy="1099"/>
+          </a:xfrm>
+          <a:prstGeom prst="line">
+            <a:avLst/>
+          </a:prstGeom>
+        </p:spPr>
+        <p:style>
+          <a:lnRef idx="1">
+            <a:schemeClr val="accent1"/>
+          </a:lnRef>
+          <a:fillRef idx="0">
+            <a:schemeClr val="accent1"/>
+          </a:fillRef>
+          <a:effectRef idx="0">
+            <a:schemeClr val="accent1"/>
+          </a:effectRef>
+          <a:fontRef idx="minor">
+            <a:schemeClr val="tx1"/>
+          </a:fontRef>
+        </p:style>
+      </p:cxnSp>
+      <p:sp>
+        <p:nvSpPr>
+          <p:cNvPr id="94" name="Oval 93"/>
+          <p:cNvSpPr/>
+          <p:nvPr/>
+        </p:nvSpPr>
+        <p:spPr>
+          <a:xfrm>
+            <a:off x="1913634" y="5839203"/>
+            <a:ext cx="1238907" cy="357701"/>
+          </a:xfrm>
+          <a:prstGeom prst="ellipse">
+            <a:avLst/>
+          </a:prstGeom>
+          <a:noFill/>
+        </p:spPr>
+        <p:style>
+          <a:lnRef idx="2">
+            <a:schemeClr val="accent1">
+              <a:shade val="50000"/>
+            </a:schemeClr>
+          </a:lnRef>
+          <a:fillRef idx="1">
+            <a:schemeClr val="accent1"/>
+          </a:fillRef>
+          <a:effectRef idx="0">
+            <a:schemeClr val="accent1"/>
+          </a:effectRef>
+          <a:fontRef idx="minor">
+            <a:schemeClr val="lt1"/>
+          </a:fontRef>
+        </p:style>
+        <p:txBody>
+          <a:bodyPr rtlCol="0" anchor="ctr"/>
+          <a:lstStyle/>
+          <a:p>
+            <a:pPr algn="ctr"/>
+            <a:r>
+              <a:rPr lang="en-US" sz="1400" u="sng" dirty="0" err="1" smtClean="0">
+                <a:solidFill>
+                  <a:schemeClr val="tx1">
+                    <a:lumMod val="95000"/>
+                    <a:lumOff val="5000"/>
+                  </a:schemeClr>
+                </a:solidFill>
+              </a:rPr>
+              <a:t>nb</a:t>
+            </a:r>
+            <a:endParaRPr lang="en-US" sz="1400" u="sng" dirty="0">
+              <a:solidFill>
+                <a:schemeClr val="tx1">
+                  <a:lumMod val="95000"/>
+                  <a:lumOff val="5000"/>
+                </a:schemeClr>
+              </a:solidFill>
+            </a:endParaRPr>
+          </a:p>
+        </p:txBody>
+      </p:sp>
     </p:spTree>
     <p:extLst>
       <p:ext uri="{BB962C8B-B14F-4D97-AF65-F5344CB8AC3E}">
